--- a/midterm_project/Powerpoint versions/Determining which variables contribute to likely hood of.pptx
+++ b/midterm_project/Powerpoint versions/Determining which variables contribute to likely hood of.pptx
@@ -275,7 +275,7 @@
           <a:p>
             <a:fld id="{EAA50B2D-1099-4D4A-84CF-763226D33A53}" type="datetimeFigureOut">
               <a:rPr lang="en-US" smtClean="0"/>
-              <a:t>3/9/2022</a:t>
+              <a:t>3/22/2022</a:t>
             </a:fld>
             <a:endParaRPr lang="en-US"/>
           </a:p>
@@ -473,7 +473,7 @@
           <a:p>
             <a:fld id="{EAA50B2D-1099-4D4A-84CF-763226D33A53}" type="datetimeFigureOut">
               <a:rPr lang="en-US" smtClean="0"/>
-              <a:t>3/9/2022</a:t>
+              <a:t>3/22/2022</a:t>
             </a:fld>
             <a:endParaRPr lang="en-US"/>
           </a:p>
@@ -681,7 +681,7 @@
           <a:p>
             <a:fld id="{EAA50B2D-1099-4D4A-84CF-763226D33A53}" type="datetimeFigureOut">
               <a:rPr lang="en-US" smtClean="0"/>
-              <a:t>3/9/2022</a:t>
+              <a:t>3/22/2022</a:t>
             </a:fld>
             <a:endParaRPr lang="en-US"/>
           </a:p>
@@ -879,7 +879,7 @@
           <a:p>
             <a:fld id="{EAA50B2D-1099-4D4A-84CF-763226D33A53}" type="datetimeFigureOut">
               <a:rPr lang="en-US" smtClean="0"/>
-              <a:t>3/9/2022</a:t>
+              <a:t>3/22/2022</a:t>
             </a:fld>
             <a:endParaRPr lang="en-US"/>
           </a:p>
@@ -1154,7 +1154,7 @@
           <a:p>
             <a:fld id="{EAA50B2D-1099-4D4A-84CF-763226D33A53}" type="datetimeFigureOut">
               <a:rPr lang="en-US" smtClean="0"/>
-              <a:t>3/9/2022</a:t>
+              <a:t>3/22/2022</a:t>
             </a:fld>
             <a:endParaRPr lang="en-US"/>
           </a:p>
@@ -1419,7 +1419,7 @@
           <a:p>
             <a:fld id="{EAA50B2D-1099-4D4A-84CF-763226D33A53}" type="datetimeFigureOut">
               <a:rPr lang="en-US" smtClean="0"/>
-              <a:t>3/9/2022</a:t>
+              <a:t>3/22/2022</a:t>
             </a:fld>
             <a:endParaRPr lang="en-US"/>
           </a:p>
@@ -1831,7 +1831,7 @@
           <a:p>
             <a:fld id="{EAA50B2D-1099-4D4A-84CF-763226D33A53}" type="datetimeFigureOut">
               <a:rPr lang="en-US" smtClean="0"/>
-              <a:t>3/9/2022</a:t>
+              <a:t>3/22/2022</a:t>
             </a:fld>
             <a:endParaRPr lang="en-US"/>
           </a:p>
@@ -1972,7 +1972,7 @@
           <a:p>
             <a:fld id="{EAA50B2D-1099-4D4A-84CF-763226D33A53}" type="datetimeFigureOut">
               <a:rPr lang="en-US" smtClean="0"/>
-              <a:t>3/9/2022</a:t>
+              <a:t>3/22/2022</a:t>
             </a:fld>
             <a:endParaRPr lang="en-US"/>
           </a:p>
@@ -2085,7 +2085,7 @@
           <a:p>
             <a:fld id="{EAA50B2D-1099-4D4A-84CF-763226D33A53}" type="datetimeFigureOut">
               <a:rPr lang="en-US" smtClean="0"/>
-              <a:t>3/9/2022</a:t>
+              <a:t>3/22/2022</a:t>
             </a:fld>
             <a:endParaRPr lang="en-US"/>
           </a:p>
@@ -2396,7 +2396,7 @@
           <a:p>
             <a:fld id="{EAA50B2D-1099-4D4A-84CF-763226D33A53}" type="datetimeFigureOut">
               <a:rPr lang="en-US" smtClean="0"/>
-              <a:t>3/9/2022</a:t>
+              <a:t>3/22/2022</a:t>
             </a:fld>
             <a:endParaRPr lang="en-US"/>
           </a:p>
@@ -2684,7 +2684,7 @@
           <a:p>
             <a:fld id="{EAA50B2D-1099-4D4A-84CF-763226D33A53}" type="datetimeFigureOut">
               <a:rPr lang="en-US" smtClean="0"/>
-              <a:t>3/9/2022</a:t>
+              <a:t>3/22/2022</a:t>
             </a:fld>
             <a:endParaRPr lang="en-US"/>
           </a:p>
@@ -2925,7 +2925,7 @@
           <a:p>
             <a:fld id="{EAA50B2D-1099-4D4A-84CF-763226D33A53}" type="datetimeFigureOut">
               <a:rPr lang="en-US" smtClean="0"/>
-              <a:t>3/9/2022</a:t>
+              <a:t>3/22/2022</a:t>
             </a:fld>
             <a:endParaRPr lang="en-US"/>
           </a:p>
@@ -9210,10 +9210,10 @@
       </p:sp>
       <p:grpSp>
         <p:nvGrpSpPr>
-          <p:cNvPr id="22" name="Group 21">
-            <a:extLst>
-              <a:ext uri="{FF2B5EF4-FFF2-40B4-BE49-F238E27FC236}">
-                <a16:creationId xmlns:a16="http://schemas.microsoft.com/office/drawing/2014/main" id="{DA30DEB6-6110-49A3-8FBA-099EE2B30A27}"/>
+          <p:cNvPr id="5" name="Group 4">
+            <a:extLst>
+              <a:ext uri="{FF2B5EF4-FFF2-40B4-BE49-F238E27FC236}">
+                <a16:creationId xmlns:a16="http://schemas.microsoft.com/office/drawing/2014/main" id="{E8F7D311-29C5-41C8-8B06-48225A728BFC}"/>
               </a:ext>
             </a:extLst>
           </p:cNvPr>
@@ -9534,7 +9534,7 @@
             </p:nvSpPr>
             <p:spPr>
               <a:xfrm>
-                <a:off x="1639505" y="5981395"/>
+                <a:off x="1629673" y="5981395"/>
                 <a:ext cx="340158" cy="461665"/>
               </a:xfrm>
               <a:prstGeom prst="rect">
@@ -9570,8 +9570,8 @@
             </p:nvSpPr>
             <p:spPr>
               <a:xfrm>
-                <a:off x="1381587" y="828724"/>
-                <a:ext cx="651140" cy="461665"/>
+                <a:off x="1282971" y="828724"/>
+                <a:ext cx="787876" cy="461665"/>
               </a:xfrm>
               <a:prstGeom prst="rect">
                 <a:avLst/>
@@ -9593,52 +9593,6 @@
             </p:txBody>
           </p:sp>
         </p:grpSp>
-        <p:sp>
-          <p:nvSpPr>
-            <p:cNvPr id="15" name="Star: 5 Points 14">
-              <a:extLst>
-                <a:ext uri="{FF2B5EF4-FFF2-40B4-BE49-F238E27FC236}">
-                  <a16:creationId xmlns:a16="http://schemas.microsoft.com/office/drawing/2014/main" id="{5AA1D222-D0B2-4F61-9C42-AC1D0DF1735C}"/>
-                </a:ext>
-              </a:extLst>
-            </p:cNvPr>
-            <p:cNvSpPr/>
-            <p:nvPr/>
-          </p:nvSpPr>
-          <p:spPr>
-            <a:xfrm>
-              <a:off x="7505794" y="5185720"/>
-              <a:ext cx="426343" cy="426343"/>
-            </a:xfrm>
-            <a:prstGeom prst="star5">
-              <a:avLst/>
-            </a:prstGeom>
-          </p:spPr>
-          <p:style>
-            <a:lnRef idx="2">
-              <a:schemeClr val="accent1">
-                <a:shade val="50000"/>
-              </a:schemeClr>
-            </a:lnRef>
-            <a:fillRef idx="1">
-              <a:schemeClr val="accent1"/>
-            </a:fillRef>
-            <a:effectRef idx="0">
-              <a:schemeClr val="accent1"/>
-            </a:effectRef>
-            <a:fontRef idx="minor">
-              <a:schemeClr val="lt1"/>
-            </a:fontRef>
-          </p:style>
-          <p:txBody>
-            <a:bodyPr rtlCol="0" anchor="ctr"/>
-            <a:lstStyle/>
-            <a:p>
-              <a:pPr algn="ctr"/>
-              <a:endParaRPr lang="en-US"/>
-            </a:p>
-          </p:txBody>
-        </p:sp>
         <p:cxnSp>
           <p:nvCxnSpPr>
             <p:cNvPr id="17" name="Straight Arrow Connector 16">
@@ -9653,7 +9607,7 @@
           </p:nvCxnSpPr>
           <p:spPr>
             <a:xfrm flipV="1">
-              <a:off x="7932137" y="4283476"/>
+              <a:off x="7241852" y="4283476"/>
               <a:ext cx="651424" cy="835742"/>
             </a:xfrm>
             <a:prstGeom prst="straightConnector1">
@@ -9683,60 +9637,6 @@
         </p:cxnSp>
         <p:sp>
           <p:nvSpPr>
-            <p:cNvPr id="18" name="Explosion: 8 Points 17">
-              <a:extLst>
-                <a:ext uri="{FF2B5EF4-FFF2-40B4-BE49-F238E27FC236}">
-                  <a16:creationId xmlns:a16="http://schemas.microsoft.com/office/drawing/2014/main" id="{2B39A1D8-1B89-46CB-9904-6E4DB2E565C2}"/>
-                </a:ext>
-              </a:extLst>
-            </p:cNvPr>
-            <p:cNvSpPr/>
-            <p:nvPr/>
-          </p:nvSpPr>
-          <p:spPr>
-            <a:xfrm>
-              <a:off x="8563105" y="3788475"/>
-              <a:ext cx="461666" cy="501445"/>
-            </a:xfrm>
-            <a:prstGeom prst="irregularSeal1">
-              <a:avLst/>
-            </a:prstGeom>
-            <a:solidFill>
-              <a:srgbClr val="FF0000"/>
-            </a:solidFill>
-            <a:ln>
-              <a:solidFill>
-                <a:srgbClr val="C00000"/>
-              </a:solidFill>
-            </a:ln>
-          </p:spPr>
-          <p:style>
-            <a:lnRef idx="2">
-              <a:schemeClr val="accent1">
-                <a:shade val="50000"/>
-              </a:schemeClr>
-            </a:lnRef>
-            <a:fillRef idx="1">
-              <a:schemeClr val="accent1"/>
-            </a:fillRef>
-            <a:effectRef idx="0">
-              <a:schemeClr val="accent1"/>
-            </a:effectRef>
-            <a:fontRef idx="minor">
-              <a:schemeClr val="lt1"/>
-            </a:fontRef>
-          </p:style>
-          <p:txBody>
-            <a:bodyPr rtlCol="0" anchor="ctr"/>
-            <a:lstStyle/>
-            <a:p>
-              <a:pPr algn="ctr"/>
-              <a:endParaRPr lang="en-US"/>
-            </a:p>
-          </p:txBody>
-        </p:sp>
-        <p:sp>
-          <p:nvSpPr>
             <p:cNvPr id="19" name="TextBox 18">
               <a:extLst>
                 <a:ext uri="{FF2B5EF4-FFF2-40B4-BE49-F238E27FC236}">
@@ -9749,7 +9649,7 @@
           </p:nvSpPr>
           <p:spPr>
             <a:xfrm>
-              <a:off x="7346908" y="5628749"/>
+              <a:off x="6656623" y="5368770"/>
               <a:ext cx="744114" cy="461665"/>
             </a:xfrm>
             <a:prstGeom prst="rect">
@@ -9793,7 +9693,7 @@
           </p:nvSpPr>
           <p:spPr>
             <a:xfrm>
-              <a:off x="8842472" y="4136464"/>
+              <a:off x="7808386" y="4235579"/>
               <a:ext cx="744114" cy="461665"/>
             </a:xfrm>
             <a:prstGeom prst="rect">
@@ -9837,7 +9737,7 @@
           </p:nvSpPr>
           <p:spPr>
             <a:xfrm rot="18501028">
-              <a:off x="7374968" y="4333189"/>
+              <a:off x="6684683" y="4333189"/>
               <a:ext cx="1250600" cy="461665"/>
             </a:xfrm>
             <a:prstGeom prst="rect">
@@ -9855,6 +9755,78 @@
               <a:r>
                 <a:rPr lang="en-US" sz="2400" b="1" dirty="0"/>
                 <a:t>distance</a:t>
+              </a:r>
+            </a:p>
+          </p:txBody>
+        </p:sp>
+        <p:sp>
+          <p:nvSpPr>
+            <p:cNvPr id="23" name="TextBox 22">
+              <a:extLst>
+                <a:ext uri="{FF2B5EF4-FFF2-40B4-BE49-F238E27FC236}">
+                  <a16:creationId xmlns:a16="http://schemas.microsoft.com/office/drawing/2014/main" id="{51A93F8F-A181-49A0-83D2-32D9856C95B8}"/>
+                </a:ext>
+              </a:extLst>
+            </p:cNvPr>
+            <p:cNvSpPr txBox="1"/>
+            <p:nvPr/>
+          </p:nvSpPr>
+          <p:spPr>
+            <a:xfrm>
+              <a:off x="6626872" y="5037339"/>
+              <a:ext cx="803618" cy="461665"/>
+            </a:xfrm>
+            <a:prstGeom prst="rect">
+              <a:avLst/>
+            </a:prstGeom>
+            <a:noFill/>
+          </p:spPr>
+          <p:txBody>
+            <a:bodyPr wrap="none" rtlCol="0">
+              <a:spAutoFit/>
+            </a:bodyPr>
+            <a:lstStyle/>
+            <a:p>
+              <a:pPr algn="ctr"/>
+              <a:r>
+                <a:rPr lang="en-US" sz="2400" b="1" dirty="0"/>
+                <a:t>Start</a:t>
+              </a:r>
+            </a:p>
+          </p:txBody>
+        </p:sp>
+        <p:sp>
+          <p:nvSpPr>
+            <p:cNvPr id="24" name="TextBox 23">
+              <a:extLst>
+                <a:ext uri="{FF2B5EF4-FFF2-40B4-BE49-F238E27FC236}">
+                  <a16:creationId xmlns:a16="http://schemas.microsoft.com/office/drawing/2014/main" id="{28ADFCFF-A77F-4E82-B123-BB402547330C}"/>
+                </a:ext>
+              </a:extLst>
+            </p:cNvPr>
+            <p:cNvSpPr txBox="1"/>
+            <p:nvPr/>
+          </p:nvSpPr>
+          <p:spPr>
+            <a:xfrm>
+              <a:off x="7857511" y="3953565"/>
+              <a:ext cx="665567" cy="461665"/>
+            </a:xfrm>
+            <a:prstGeom prst="rect">
+              <a:avLst/>
+            </a:prstGeom>
+            <a:noFill/>
+          </p:spPr>
+          <p:txBody>
+            <a:bodyPr wrap="none" rtlCol="0">
+              <a:spAutoFit/>
+            </a:bodyPr>
+            <a:lstStyle/>
+            <a:p>
+              <a:pPr algn="ctr"/>
+              <a:r>
+                <a:rPr lang="en-US" sz="2400" b="1" dirty="0"/>
+                <a:t>End</a:t>
               </a:r>
             </a:p>
           </p:txBody>
